--- a/Images/Figures_PPT/ComponentsStramenopilesPieChart.pptx
+++ b/Images/Figures_PPT/ComponentsStramenopilesPieChart.pptx
@@ -2487,7 +2487,7 @@
               </a:pathLst>
             </a:custGeom>
             <a:solidFill>
-              <a:srgbClr val="619CFF">
+              <a:srgbClr val="CE8964">
                 <a:alpha val="100000"/>
               </a:srgbClr>
             </a:solidFill>
@@ -2833,7 +2833,7 @@
               </a:pathLst>
             </a:custGeom>
             <a:solidFill>
-              <a:srgbClr val="00BA38">
+              <a:srgbClr val="9CC5A1">
                 <a:alpha val="100000"/>
               </a:srgbClr>
             </a:solidFill>
@@ -3464,7 +3464,7 @@
               </a:pathLst>
             </a:custGeom>
             <a:solidFill>
-              <a:srgbClr val="F8766D">
+              <a:srgbClr val="DACC3E">
                 <a:alpha val="100000"/>
               </a:srgbClr>
             </a:solidFill>

--- a/Images/Figures_PPT/ComponentsStramenopilesPieChart.pptx
+++ b/Images/Figures_PPT/ComponentsStramenopilesPieChart.pptx
@@ -2299,101 +2299,224 @@
           <p:spPr>
             <a:xfrm>
               <a:off x="5486400" y="1749568"/>
-              <a:ext cx="129458" cy="2473613"/>
+              <a:ext cx="2448436" cy="2473613"/>
             </a:xfrm>
             <a:custGeom>
               <a:avLst/>
               <a:pathLst>
-                <a:path w="129458" h="2473613">
+                <a:path w="2448436" h="2473613">
                   <a:moveTo>
                     <a:pt x="0" y="2473613"/>
                   </a:moveTo>
                   <a:lnTo>
-                    <a:pt x="4464" y="2388433"/>
-                  </a:lnTo>
-                  <a:lnTo>
-                    <a:pt x="8928" y="2303253"/>
-                  </a:lnTo>
-                  <a:lnTo>
-                    <a:pt x="13392" y="2218073"/>
-                  </a:lnTo>
-                  <a:lnTo>
-                    <a:pt x="17856" y="2132893"/>
-                  </a:lnTo>
-                  <a:lnTo>
-                    <a:pt x="22320" y="2047713"/>
-                  </a:lnTo>
-                  <a:lnTo>
-                    <a:pt x="26784" y="1962533"/>
-                  </a:lnTo>
-                  <a:lnTo>
-                    <a:pt x="31248" y="1877352"/>
-                  </a:lnTo>
-                  <a:lnTo>
-                    <a:pt x="35712" y="1792172"/>
-                  </a:lnTo>
-                  <a:lnTo>
-                    <a:pt x="40176" y="1706992"/>
-                  </a:lnTo>
-                  <a:lnTo>
-                    <a:pt x="44641" y="1621812"/>
-                  </a:lnTo>
-                  <a:lnTo>
-                    <a:pt x="49105" y="1536632"/>
-                  </a:lnTo>
-                  <a:lnTo>
-                    <a:pt x="53569" y="1451452"/>
-                  </a:lnTo>
-                  <a:lnTo>
-                    <a:pt x="58033" y="1366272"/>
-                  </a:lnTo>
-                  <a:lnTo>
-                    <a:pt x="62497" y="1281092"/>
-                  </a:lnTo>
-                  <a:lnTo>
-                    <a:pt x="66961" y="1195911"/>
-                  </a:lnTo>
-                  <a:lnTo>
-                    <a:pt x="71425" y="1110731"/>
-                  </a:lnTo>
-                  <a:lnTo>
-                    <a:pt x="75889" y="1025551"/>
-                  </a:lnTo>
-                  <a:lnTo>
-                    <a:pt x="80353" y="940371"/>
-                  </a:lnTo>
-                  <a:lnTo>
-                    <a:pt x="84817" y="855191"/>
-                  </a:lnTo>
-                  <a:lnTo>
-                    <a:pt x="89282" y="770011"/>
-                  </a:lnTo>
-                  <a:lnTo>
-                    <a:pt x="93746" y="684831"/>
-                  </a:lnTo>
-                  <a:lnTo>
-                    <a:pt x="98210" y="599650"/>
-                  </a:lnTo>
-                  <a:lnTo>
-                    <a:pt x="102674" y="514470"/>
-                  </a:lnTo>
-                  <a:lnTo>
-                    <a:pt x="107138" y="429290"/>
-                  </a:lnTo>
-                  <a:lnTo>
-                    <a:pt x="111602" y="344110"/>
-                  </a:lnTo>
-                  <a:lnTo>
-                    <a:pt x="116066" y="258930"/>
-                  </a:lnTo>
-                  <a:lnTo>
-                    <a:pt x="120530" y="173750"/>
-                  </a:lnTo>
-                  <a:lnTo>
-                    <a:pt x="124994" y="88570"/>
-                  </a:lnTo>
-                  <a:lnTo>
-                    <a:pt x="129458" y="3390"/>
+                    <a:pt x="84428" y="2461474"/>
+                  </a:lnTo>
+                  <a:lnTo>
+                    <a:pt x="168857" y="2449335"/>
+                  </a:lnTo>
+                  <a:lnTo>
+                    <a:pt x="253286" y="2437196"/>
+                  </a:lnTo>
+                  <a:lnTo>
+                    <a:pt x="337715" y="2425057"/>
+                  </a:lnTo>
+                  <a:lnTo>
+                    <a:pt x="422144" y="2412918"/>
+                  </a:lnTo>
+                  <a:lnTo>
+                    <a:pt x="506572" y="2400779"/>
+                  </a:lnTo>
+                  <a:lnTo>
+                    <a:pt x="591001" y="2388640"/>
+                  </a:lnTo>
+                  <a:lnTo>
+                    <a:pt x="675430" y="2376501"/>
+                  </a:lnTo>
+                  <a:lnTo>
+                    <a:pt x="759859" y="2364362"/>
+                  </a:lnTo>
+                  <a:lnTo>
+                    <a:pt x="844288" y="2352223"/>
+                  </a:lnTo>
+                  <a:lnTo>
+                    <a:pt x="928717" y="2340084"/>
+                  </a:lnTo>
+                  <a:lnTo>
+                    <a:pt x="1013145" y="2327945"/>
+                  </a:lnTo>
+                  <a:lnTo>
+                    <a:pt x="1097574" y="2315806"/>
+                  </a:lnTo>
+                  <a:lnTo>
+                    <a:pt x="1182003" y="2303667"/>
+                  </a:lnTo>
+                  <a:lnTo>
+                    <a:pt x="1266432" y="2291528"/>
+                  </a:lnTo>
+                  <a:lnTo>
+                    <a:pt x="1350861" y="2279389"/>
+                  </a:lnTo>
+                  <a:lnTo>
+                    <a:pt x="1435290" y="2267250"/>
+                  </a:lnTo>
+                  <a:lnTo>
+                    <a:pt x="1519718" y="2255111"/>
+                  </a:lnTo>
+                  <a:lnTo>
+                    <a:pt x="1604147" y="2242972"/>
+                  </a:lnTo>
+                  <a:lnTo>
+                    <a:pt x="1688576" y="2230833"/>
+                  </a:lnTo>
+                  <a:lnTo>
+                    <a:pt x="1773005" y="2218694"/>
+                  </a:lnTo>
+                  <a:lnTo>
+                    <a:pt x="1857434" y="2206555"/>
+                  </a:lnTo>
+                  <a:lnTo>
+                    <a:pt x="1941863" y="2194416"/>
+                  </a:lnTo>
+                  <a:lnTo>
+                    <a:pt x="2026291" y="2182277"/>
+                  </a:lnTo>
+                  <a:lnTo>
+                    <a:pt x="2110720" y="2170138"/>
+                  </a:lnTo>
+                  <a:lnTo>
+                    <a:pt x="2195149" y="2157999"/>
+                  </a:lnTo>
+                  <a:lnTo>
+                    <a:pt x="2279578" y="2145860"/>
+                  </a:lnTo>
+                  <a:lnTo>
+                    <a:pt x="2364007" y="2133720"/>
+                  </a:lnTo>
+                  <a:lnTo>
+                    <a:pt x="2448436" y="2121581"/>
+                  </a:lnTo>
+                  <a:lnTo>
+                    <a:pt x="2435054" y="2038554"/>
+                  </a:lnTo>
+                  <a:lnTo>
+                    <a:pt x="2418857" y="1956030"/>
+                  </a:lnTo>
+                  <a:lnTo>
+                    <a:pt x="2399865" y="1874104"/>
+                  </a:lnTo>
+                  <a:lnTo>
+                    <a:pt x="2378099" y="1792871"/>
+                  </a:lnTo>
+                  <a:lnTo>
+                    <a:pt x="2353584" y="1712425"/>
+                  </a:lnTo>
+                  <a:lnTo>
+                    <a:pt x="2326348" y="1632859"/>
+                  </a:lnTo>
+                  <a:lnTo>
+                    <a:pt x="2296423" y="1554264"/>
+                  </a:lnTo>
+                  <a:lnTo>
+                    <a:pt x="2263844" y="1476732"/>
+                  </a:lnTo>
+                  <a:lnTo>
+                    <a:pt x="2228649" y="1400353"/>
+                  </a:lnTo>
+                  <a:lnTo>
+                    <a:pt x="2190877" y="1325214"/>
+                  </a:lnTo>
+                  <a:lnTo>
+                    <a:pt x="2150573" y="1251402"/>
+                  </a:lnTo>
+                  <a:lnTo>
+                    <a:pt x="2107783" y="1179003"/>
+                  </a:lnTo>
+                  <a:lnTo>
+                    <a:pt x="2062556" y="1108101"/>
+                  </a:lnTo>
+                  <a:lnTo>
+                    <a:pt x="2014946" y="1038777"/>
+                  </a:lnTo>
+                  <a:lnTo>
+                    <a:pt x="1965006" y="971111"/>
+                  </a:lnTo>
+                  <a:lnTo>
+                    <a:pt x="1912796" y="905182"/>
+                  </a:lnTo>
+                  <a:lnTo>
+                    <a:pt x="1858374" y="841066"/>
+                  </a:lnTo>
+                  <a:lnTo>
+                    <a:pt x="1801804" y="778837"/>
+                  </a:lnTo>
+                  <a:lnTo>
+                    <a:pt x="1743152" y="718567"/>
+                  </a:lnTo>
+                  <a:lnTo>
+                    <a:pt x="1682484" y="660326"/>
+                  </a:lnTo>
+                  <a:lnTo>
+                    <a:pt x="1619872" y="604181"/>
+                  </a:lnTo>
+                  <a:lnTo>
+                    <a:pt x="1555388" y="550196"/>
+                  </a:lnTo>
+                  <a:lnTo>
+                    <a:pt x="1489105" y="498435"/>
+                  </a:lnTo>
+                  <a:lnTo>
+                    <a:pt x="1421102" y="448957"/>
+                  </a:lnTo>
+                  <a:lnTo>
+                    <a:pt x="1351455" y="401819"/>
+                  </a:lnTo>
+                  <a:lnTo>
+                    <a:pt x="1280247" y="357076"/>
+                  </a:lnTo>
+                  <a:lnTo>
+                    <a:pt x="1207559" y="314779"/>
+                  </a:lnTo>
+                  <a:lnTo>
+                    <a:pt x="1133475" y="274978"/>
+                  </a:lnTo>
+                  <a:lnTo>
+                    <a:pt x="1058081" y="237718"/>
+                  </a:lnTo>
+                  <a:lnTo>
+                    <a:pt x="981464" y="203042"/>
+                  </a:lnTo>
+                  <a:lnTo>
+                    <a:pt x="903712" y="170991"/>
+                  </a:lnTo>
+                  <a:lnTo>
+                    <a:pt x="824916" y="141602"/>
+                  </a:lnTo>
+                  <a:lnTo>
+                    <a:pt x="745166" y="114908"/>
+                  </a:lnTo>
+                  <a:lnTo>
+                    <a:pt x="664555" y="90940"/>
+                  </a:lnTo>
+                  <a:lnTo>
+                    <a:pt x="583176" y="69727"/>
+                  </a:lnTo>
+                  <a:lnTo>
+                    <a:pt x="501123" y="51292"/>
+                  </a:lnTo>
+                  <a:lnTo>
+                    <a:pt x="418490" y="35657"/>
+                  </a:lnTo>
+                  <a:lnTo>
+                    <a:pt x="335374" y="22840"/>
+                  </a:lnTo>
+                  <a:lnTo>
+                    <a:pt x="251870" y="12856"/>
+                  </a:lnTo>
+                  <a:lnTo>
+                    <a:pt x="168075" y="5716"/>
+                  </a:lnTo>
+                  <a:lnTo>
+                    <a:pt x="84086" y="1429"/>
                   </a:lnTo>
                   <a:lnTo>
                     <a:pt x="0" y="0"/>
@@ -2487,7 +2610,7 @@
               </a:pathLst>
             </a:custGeom>
             <a:solidFill>
-              <a:srgbClr val="CE8964">
+              <a:srgbClr val="9CC5A1">
                 <a:alpha val="100000"/>
               </a:srgbClr>
             </a:solidFill>
@@ -2515,949 +2638,615 @@
           </p:nvSpPr>
           <p:spPr>
             <a:xfrm>
-              <a:off x="5486400" y="1752958"/>
-              <a:ext cx="2473613" cy="2470223"/>
+              <a:off x="3012885" y="1749568"/>
+              <a:ext cx="4947067" cy="4946912"/>
             </a:xfrm>
             <a:custGeom>
               <a:avLst/>
               <a:pathLst>
-                <a:path w="2473613" h="2470223">
+                <a:path w="4947067" h="4946912">
                   <a:moveTo>
-                    <a:pt x="0" y="2470223"/>
+                    <a:pt x="2473514" y="2473613"/>
                   </a:moveTo>
                   <a:lnTo>
-                    <a:pt x="85297" y="2470223"/>
-                  </a:lnTo>
-                  <a:lnTo>
-                    <a:pt x="170594" y="2470223"/>
-                  </a:lnTo>
-                  <a:lnTo>
-                    <a:pt x="255891" y="2470223"/>
-                  </a:lnTo>
-                  <a:lnTo>
-                    <a:pt x="341188" y="2470223"/>
-                  </a:lnTo>
-                  <a:lnTo>
-                    <a:pt x="426485" y="2470223"/>
-                  </a:lnTo>
-                  <a:lnTo>
-                    <a:pt x="511782" y="2470223"/>
-                  </a:lnTo>
-                  <a:lnTo>
-                    <a:pt x="597079" y="2470223"/>
-                  </a:lnTo>
-                  <a:lnTo>
-                    <a:pt x="682376" y="2470223"/>
-                  </a:lnTo>
-                  <a:lnTo>
-                    <a:pt x="767673" y="2470223"/>
-                  </a:lnTo>
-                  <a:lnTo>
-                    <a:pt x="852970" y="2470223"/>
-                  </a:lnTo>
-                  <a:lnTo>
-                    <a:pt x="938267" y="2470223"/>
-                  </a:lnTo>
-                  <a:lnTo>
-                    <a:pt x="1023564" y="2470223"/>
-                  </a:lnTo>
-                  <a:lnTo>
-                    <a:pt x="1108861" y="2470223"/>
-                  </a:lnTo>
-                  <a:lnTo>
-                    <a:pt x="1194158" y="2470223"/>
-                  </a:lnTo>
-                  <a:lnTo>
-                    <a:pt x="1279455" y="2470223"/>
-                  </a:lnTo>
-                  <a:lnTo>
-                    <a:pt x="1364752" y="2470223"/>
-                  </a:lnTo>
-                  <a:lnTo>
-                    <a:pt x="1450049" y="2470223"/>
-                  </a:lnTo>
-                  <a:lnTo>
-                    <a:pt x="1535346" y="2470223"/>
-                  </a:lnTo>
-                  <a:lnTo>
-                    <a:pt x="1620643" y="2470223"/>
-                  </a:lnTo>
-                  <a:lnTo>
-                    <a:pt x="1705940" y="2470223"/>
-                  </a:lnTo>
-                  <a:lnTo>
-                    <a:pt x="1791237" y="2470223"/>
-                  </a:lnTo>
-                  <a:lnTo>
-                    <a:pt x="1876534" y="2470223"/>
-                  </a:lnTo>
-                  <a:lnTo>
-                    <a:pt x="1961831" y="2470223"/>
-                  </a:lnTo>
-                  <a:lnTo>
-                    <a:pt x="2047128" y="2470223"/>
-                  </a:lnTo>
-                  <a:lnTo>
-                    <a:pt x="2132425" y="2470223"/>
-                  </a:lnTo>
-                  <a:lnTo>
-                    <a:pt x="2217722" y="2470223"/>
-                  </a:lnTo>
-                  <a:lnTo>
-                    <a:pt x="2303019" y="2470223"/>
-                  </a:lnTo>
-                  <a:lnTo>
-                    <a:pt x="2388316" y="2470223"/>
-                  </a:lnTo>
-                  <a:lnTo>
-                    <a:pt x="2473613" y="2470223"/>
-                  </a:lnTo>
-                  <a:lnTo>
-                    <a:pt x="2472141" y="2384876"/>
-                  </a:lnTo>
-                  <a:lnTo>
-                    <a:pt x="2467724" y="2299631"/>
-                  </a:lnTo>
-                  <a:lnTo>
-                    <a:pt x="2460369" y="2214588"/>
-                  </a:lnTo>
-                  <a:lnTo>
-                    <a:pt x="2450084" y="2129850"/>
-                  </a:lnTo>
-                  <a:lnTo>
-                    <a:pt x="2436881" y="2045517"/>
-                  </a:lnTo>
-                  <a:lnTo>
-                    <a:pt x="2420776" y="1961690"/>
-                  </a:lnTo>
-                  <a:lnTo>
-                    <a:pt x="2401789" y="1878469"/>
-                  </a:lnTo>
-                  <a:lnTo>
-                    <a:pt x="2379941" y="1795952"/>
-                  </a:lnTo>
-                  <a:lnTo>
-                    <a:pt x="2355260" y="1714238"/>
-                  </a:lnTo>
-                  <a:lnTo>
-                    <a:pt x="2327774" y="1633425"/>
-                  </a:lnTo>
-                  <a:lnTo>
-                    <a:pt x="2297516" y="1553607"/>
-                  </a:lnTo>
-                  <a:lnTo>
-                    <a:pt x="2264522" y="1474882"/>
-                  </a:lnTo>
-                  <a:lnTo>
-                    <a:pt x="2228831" y="1397341"/>
-                  </a:lnTo>
-                  <a:lnTo>
-                    <a:pt x="2190486" y="1321079"/>
-                  </a:lnTo>
-                  <a:lnTo>
-                    <a:pt x="2149533" y="1246184"/>
-                  </a:lnTo>
-                  <a:lnTo>
-                    <a:pt x="2106020" y="1172748"/>
-                  </a:lnTo>
-                  <a:lnTo>
-                    <a:pt x="2059999" y="1100856"/>
-                  </a:lnTo>
-                  <a:lnTo>
-                    <a:pt x="2011525" y="1030595"/>
-                  </a:lnTo>
-                  <a:lnTo>
-                    <a:pt x="1960656" y="962048"/>
-                  </a:lnTo>
-                  <a:lnTo>
-                    <a:pt x="1907452" y="895298"/>
-                  </a:lnTo>
-                  <a:lnTo>
-                    <a:pt x="1851976" y="830423"/>
-                  </a:lnTo>
-                  <a:lnTo>
-                    <a:pt x="1794296" y="767500"/>
-                  </a:lnTo>
-                  <a:lnTo>
-                    <a:pt x="1734478" y="706605"/>
-                  </a:lnTo>
-                  <a:lnTo>
-                    <a:pt x="1672595" y="647810"/>
-                  </a:lnTo>
-                  <a:lnTo>
-                    <a:pt x="1608720" y="591186"/>
-                  </a:lnTo>
-                  <a:lnTo>
-                    <a:pt x="1542930" y="536799"/>
-                  </a:lnTo>
-                  <a:lnTo>
-                    <a:pt x="1475302" y="484714"/>
-                  </a:lnTo>
-                  <a:lnTo>
-                    <a:pt x="1405918" y="434994"/>
-                  </a:lnTo>
-                  <a:lnTo>
-                    <a:pt x="1334859" y="387697"/>
-                  </a:lnTo>
-                  <a:lnTo>
-                    <a:pt x="1262211" y="342880"/>
-                  </a:lnTo>
-                  <a:lnTo>
-                    <a:pt x="1188059" y="300597"/>
-                  </a:lnTo>
-                  <a:lnTo>
-                    <a:pt x="1112493" y="260897"/>
-                  </a:lnTo>
-                  <a:lnTo>
-                    <a:pt x="1035602" y="223828"/>
-                  </a:lnTo>
-                  <a:lnTo>
-                    <a:pt x="957478" y="189434"/>
-                  </a:lnTo>
-                  <a:lnTo>
-                    <a:pt x="878214" y="157756"/>
-                  </a:lnTo>
-                  <a:lnTo>
-                    <a:pt x="797903" y="128832"/>
-                  </a:lnTo>
-                  <a:lnTo>
-                    <a:pt x="716643" y="102696"/>
-                  </a:lnTo>
-                  <a:lnTo>
-                    <a:pt x="634530" y="79379"/>
-                  </a:lnTo>
-                  <a:lnTo>
-                    <a:pt x="551660" y="58909"/>
-                  </a:lnTo>
-                  <a:lnTo>
-                    <a:pt x="468134" y="41311"/>
-                  </a:lnTo>
-                  <a:lnTo>
-                    <a:pt x="384050" y="26605"/>
-                  </a:lnTo>
-                  <a:lnTo>
-                    <a:pt x="299509" y="14809"/>
-                  </a:lnTo>
-                  <a:lnTo>
-                    <a:pt x="214612" y="5937"/>
-                  </a:lnTo>
-                  <a:lnTo>
-                    <a:pt x="129458" y="0"/>
-                  </a:lnTo>
-                  <a:lnTo>
-                    <a:pt x="124994" y="85180"/>
-                  </a:lnTo>
-                  <a:lnTo>
-                    <a:pt x="120530" y="170360"/>
-                  </a:lnTo>
-                  <a:lnTo>
-                    <a:pt x="116066" y="255540"/>
-                  </a:lnTo>
-                  <a:lnTo>
-                    <a:pt x="111602" y="340720"/>
-                  </a:lnTo>
-                  <a:lnTo>
-                    <a:pt x="107138" y="425900"/>
-                  </a:lnTo>
-                  <a:lnTo>
-                    <a:pt x="102674" y="511080"/>
-                  </a:lnTo>
-                  <a:lnTo>
-                    <a:pt x="98210" y="596260"/>
-                  </a:lnTo>
-                  <a:lnTo>
-                    <a:pt x="93746" y="681441"/>
-                  </a:lnTo>
-                  <a:lnTo>
-                    <a:pt x="89282" y="766621"/>
-                  </a:lnTo>
-                  <a:lnTo>
-                    <a:pt x="84817" y="851801"/>
-                  </a:lnTo>
-                  <a:lnTo>
-                    <a:pt x="80353" y="936981"/>
-                  </a:lnTo>
-                  <a:lnTo>
-                    <a:pt x="75889" y="1022161"/>
-                  </a:lnTo>
-                  <a:lnTo>
-                    <a:pt x="71425" y="1107341"/>
-                  </a:lnTo>
-                  <a:lnTo>
-                    <a:pt x="66961" y="1192521"/>
-                  </a:lnTo>
-                  <a:lnTo>
-                    <a:pt x="62497" y="1277702"/>
-                  </a:lnTo>
-                  <a:lnTo>
-                    <a:pt x="58033" y="1362882"/>
-                  </a:lnTo>
-                  <a:lnTo>
-                    <a:pt x="53569" y="1448062"/>
-                  </a:lnTo>
-                  <a:lnTo>
-                    <a:pt x="49105" y="1533242"/>
-                  </a:lnTo>
-                  <a:lnTo>
-                    <a:pt x="44641" y="1618422"/>
-                  </a:lnTo>
-                  <a:lnTo>
-                    <a:pt x="40176" y="1703602"/>
-                  </a:lnTo>
-                  <a:lnTo>
-                    <a:pt x="35712" y="1788782"/>
-                  </a:lnTo>
-                  <a:lnTo>
-                    <a:pt x="31248" y="1873962"/>
-                  </a:lnTo>
-                  <a:lnTo>
-                    <a:pt x="26784" y="1959143"/>
-                  </a:lnTo>
-                  <a:lnTo>
-                    <a:pt x="22320" y="2044323"/>
-                  </a:lnTo>
-                  <a:lnTo>
-                    <a:pt x="17856" y="2129503"/>
-                  </a:lnTo>
-                  <a:lnTo>
-                    <a:pt x="13392" y="2214683"/>
-                  </a:lnTo>
-                  <a:lnTo>
-                    <a:pt x="8928" y="2299863"/>
-                  </a:lnTo>
-                  <a:lnTo>
-                    <a:pt x="4464" y="2385043"/>
-                  </a:lnTo>
-                  <a:close/>
-                </a:path>
-              </a:pathLst>
-            </a:custGeom>
-            <a:solidFill>
-              <a:srgbClr val="9CC5A1">
-                <a:alpha val="100000"/>
-              </a:srgbClr>
-            </a:solidFill>
-            <a:ln w="13550" cap="flat">
-              <a:solidFill>
-                <a:srgbClr val="000000">
-                  <a:alpha val="100000"/>
-                </a:srgbClr>
-              </a:solidFill>
-              <a:prstDash val="solid"/>
-              <a:miter/>
-            </a:ln>
-          </p:spPr>
-          <p:txBody>
-            <a:bodyPr/>
-            <a:lstStyle/>
-            <a:p/>
-          </p:txBody>
-        </p:sp>
-        <p:sp>
-          <p:nvSpPr>
-            <p:cNvPr id="7" name="pg6"/>
-            <p:cNvSpPr/>
-            <p:nvPr/>
-          </p:nvSpPr>
-          <p:spPr>
-            <a:xfrm>
-              <a:off x="3012944" y="1749568"/>
-              <a:ext cx="4947069" cy="4947069"/>
-            </a:xfrm>
-            <a:custGeom>
-              <a:avLst/>
-              <a:pathLst>
-                <a:path w="4947069" h="4947069">
-                  <a:moveTo>
-                    <a:pt x="2473455" y="2473613"/>
-                  </a:moveTo>
-                  <a:lnTo>
-                    <a:pt x="2473455" y="2388316"/>
-                  </a:lnTo>
-                  <a:lnTo>
-                    <a:pt x="2473455" y="2303019"/>
-                  </a:lnTo>
-                  <a:lnTo>
-                    <a:pt x="2473455" y="2217722"/>
-                  </a:lnTo>
-                  <a:lnTo>
-                    <a:pt x="2473455" y="2132425"/>
-                  </a:lnTo>
-                  <a:lnTo>
-                    <a:pt x="2473455" y="2047128"/>
-                  </a:lnTo>
-                  <a:lnTo>
-                    <a:pt x="2473455" y="1961831"/>
-                  </a:lnTo>
-                  <a:lnTo>
-                    <a:pt x="2473455" y="1876534"/>
-                  </a:lnTo>
-                  <a:lnTo>
-                    <a:pt x="2473455" y="1791237"/>
-                  </a:lnTo>
-                  <a:lnTo>
-                    <a:pt x="2473455" y="1705940"/>
-                  </a:lnTo>
-                  <a:lnTo>
-                    <a:pt x="2473455" y="1620643"/>
-                  </a:lnTo>
-                  <a:lnTo>
-                    <a:pt x="2473455" y="1535346"/>
-                  </a:lnTo>
-                  <a:lnTo>
-                    <a:pt x="2473455" y="1450049"/>
-                  </a:lnTo>
-                  <a:lnTo>
-                    <a:pt x="2473455" y="1364752"/>
-                  </a:lnTo>
-                  <a:lnTo>
-                    <a:pt x="2473455" y="1279455"/>
-                  </a:lnTo>
-                  <a:lnTo>
-                    <a:pt x="2473455" y="1194158"/>
-                  </a:lnTo>
-                  <a:lnTo>
-                    <a:pt x="2473455" y="1108861"/>
-                  </a:lnTo>
-                  <a:lnTo>
-                    <a:pt x="2473455" y="1023564"/>
-                  </a:lnTo>
-                  <a:lnTo>
-                    <a:pt x="2473455" y="938267"/>
-                  </a:lnTo>
-                  <a:lnTo>
-                    <a:pt x="2473455" y="852970"/>
-                  </a:lnTo>
-                  <a:lnTo>
-                    <a:pt x="2473455" y="767673"/>
-                  </a:lnTo>
-                  <a:lnTo>
-                    <a:pt x="2473455" y="682376"/>
-                  </a:lnTo>
-                  <a:lnTo>
-                    <a:pt x="2473455" y="597079"/>
-                  </a:lnTo>
-                  <a:lnTo>
-                    <a:pt x="2473455" y="511782"/>
-                  </a:lnTo>
-                  <a:lnTo>
-                    <a:pt x="2473455" y="426485"/>
-                  </a:lnTo>
-                  <a:lnTo>
-                    <a:pt x="2473455" y="341188"/>
-                  </a:lnTo>
-                  <a:lnTo>
-                    <a:pt x="2473455" y="255891"/>
-                  </a:lnTo>
-                  <a:lnTo>
-                    <a:pt x="2473455" y="170594"/>
-                  </a:lnTo>
-                  <a:lnTo>
-                    <a:pt x="2473455" y="85297"/>
-                  </a:lnTo>
-                  <a:lnTo>
-                    <a:pt x="2473455" y="0"/>
-                  </a:lnTo>
-                  <a:lnTo>
-                    <a:pt x="2389611" y="1421"/>
-                  </a:lnTo>
-                  <a:lnTo>
-                    <a:pt x="2305863" y="5683"/>
-                  </a:lnTo>
-                  <a:lnTo>
-                    <a:pt x="2222307" y="12782"/>
-                  </a:lnTo>
-                  <a:lnTo>
-                    <a:pt x="2139040" y="22709"/>
-                  </a:lnTo>
-                  <a:lnTo>
-                    <a:pt x="2056157" y="35453"/>
-                  </a:lnTo>
-                  <a:lnTo>
-                    <a:pt x="1973754" y="50998"/>
-                  </a:lnTo>
-                  <a:lnTo>
-                    <a:pt x="1891925" y="69328"/>
-                  </a:lnTo>
-                  <a:lnTo>
-                    <a:pt x="1810765" y="90421"/>
-                  </a:lnTo>
-                  <a:lnTo>
-                    <a:pt x="1730366" y="114253"/>
-                  </a:lnTo>
-                  <a:lnTo>
-                    <a:pt x="1650821" y="140796"/>
-                  </a:lnTo>
-                  <a:lnTo>
-                    <a:pt x="1572222" y="170020"/>
-                  </a:lnTo>
-                  <a:lnTo>
-                    <a:pt x="1494658" y="201891"/>
-                  </a:lnTo>
-                  <a:lnTo>
-                    <a:pt x="1418219" y="236374"/>
-                  </a:lnTo>
-                  <a:lnTo>
-                    <a:pt x="1342993" y="273427"/>
-                  </a:lnTo>
-                  <a:lnTo>
-                    <a:pt x="1269066" y="313009"/>
-                  </a:lnTo>
-                  <a:lnTo>
-                    <a:pt x="1196523" y="355074"/>
-                  </a:lnTo>
-                  <a:lnTo>
-                    <a:pt x="1125447" y="399574"/>
-                  </a:lnTo>
-                  <a:lnTo>
-                    <a:pt x="1055921" y="446457"/>
-                  </a:lnTo>
-                  <a:lnTo>
-                    <a:pt x="988024" y="495670"/>
-                  </a:lnTo>
-                  <a:lnTo>
-                    <a:pt x="921834" y="547156"/>
-                  </a:lnTo>
-                  <a:lnTo>
-                    <a:pt x="857427" y="600856"/>
-                  </a:lnTo>
-                  <a:lnTo>
-                    <a:pt x="794878" y="656709"/>
-                  </a:lnTo>
-                  <a:lnTo>
-                    <a:pt x="734257" y="714649"/>
-                  </a:lnTo>
-                  <a:lnTo>
-                    <a:pt x="675635" y="774611"/>
-                  </a:lnTo>
-                  <a:lnTo>
-                    <a:pt x="619080" y="836525"/>
-                  </a:lnTo>
-                  <a:lnTo>
-                    <a:pt x="564655" y="900321"/>
-                  </a:lnTo>
-                  <a:lnTo>
-                    <a:pt x="512425" y="965925"/>
-                  </a:lnTo>
-                  <a:lnTo>
-                    <a:pt x="462447" y="1033262"/>
-                  </a:lnTo>
-                  <a:lnTo>
-                    <a:pt x="414781" y="1102254"/>
-                  </a:lnTo>
-                  <a:lnTo>
-                    <a:pt x="369481" y="1172822"/>
-                  </a:lnTo>
-                  <a:lnTo>
-                    <a:pt x="326599" y="1244885"/>
-                  </a:lnTo>
-                  <a:lnTo>
-                    <a:pt x="286184" y="1318360"/>
-                  </a:lnTo>
-                  <a:lnTo>
-                    <a:pt x="248283" y="1393162"/>
-                  </a:lnTo>
-                  <a:lnTo>
-                    <a:pt x="212939" y="1469207"/>
-                  </a:lnTo>
-                  <a:lnTo>
-                    <a:pt x="180193" y="1546405"/>
-                  </a:lnTo>
-                  <a:lnTo>
-                    <a:pt x="150083" y="1624670"/>
-                  </a:lnTo>
-                  <a:lnTo>
-                    <a:pt x="122642" y="1703910"/>
-                  </a:lnTo>
-                  <a:lnTo>
-                    <a:pt x="97904" y="1784034"/>
-                  </a:lnTo>
-                  <a:lnTo>
-                    <a:pt x="75895" y="1864951"/>
-                  </a:lnTo>
-                  <a:lnTo>
-                    <a:pt x="56642" y="1946567"/>
-                  </a:lnTo>
-                  <a:lnTo>
-                    <a:pt x="40166" y="2028790"/>
-                  </a:lnTo>
-                  <a:lnTo>
-                    <a:pt x="26487" y="2111523"/>
-                  </a:lnTo>
-                  <a:lnTo>
-                    <a:pt x="15619" y="2194673"/>
-                  </a:lnTo>
-                  <a:lnTo>
-                    <a:pt x="7577" y="2278143"/>
-                  </a:lnTo>
-                  <a:lnTo>
-                    <a:pt x="2368" y="2361837"/>
-                  </a:lnTo>
-                  <a:lnTo>
-                    <a:pt x="0" y="2445660"/>
-                  </a:lnTo>
-                  <a:lnTo>
-                    <a:pt x="473" y="2529516"/>
-                  </a:lnTo>
-                  <a:lnTo>
-                    <a:pt x="3789" y="2613307"/>
-                  </a:lnTo>
-                  <a:lnTo>
-                    <a:pt x="9943" y="2696937"/>
-                  </a:lnTo>
-                  <a:lnTo>
-                    <a:pt x="18929" y="2780311"/>
-                  </a:lnTo>
-                  <a:lnTo>
-                    <a:pt x="30735" y="2863333"/>
-                  </a:lnTo>
-                  <a:lnTo>
-                    <a:pt x="45348" y="2945906"/>
-                  </a:lnTo>
-                  <a:lnTo>
-                    <a:pt x="62752" y="3027937"/>
-                  </a:lnTo>
-                  <a:lnTo>
-                    <a:pt x="82926" y="3109331"/>
-                  </a:lnTo>
-                  <a:lnTo>
-                    <a:pt x="105848" y="3189994"/>
-                  </a:lnTo>
-                  <a:lnTo>
-                    <a:pt x="131491" y="3269833"/>
-                  </a:lnTo>
-                  <a:lnTo>
-                    <a:pt x="159825" y="3348758"/>
-                  </a:lnTo>
-                  <a:lnTo>
-                    <a:pt x="190818" y="3426677"/>
-                  </a:lnTo>
-                  <a:lnTo>
-                    <a:pt x="224434" y="3503501"/>
-                  </a:lnTo>
-                  <a:lnTo>
-                    <a:pt x="260635" y="3579141"/>
-                  </a:lnTo>
-                  <a:lnTo>
-                    <a:pt x="299379" y="3653511"/>
-                  </a:lnTo>
-                  <a:lnTo>
-                    <a:pt x="340622" y="3726524"/>
-                  </a:lnTo>
-                  <a:lnTo>
-                    <a:pt x="384315" y="3798098"/>
-                  </a:lnTo>
-                  <a:lnTo>
-                    <a:pt x="430410" y="3868149"/>
-                  </a:lnTo>
-                  <a:lnTo>
-                    <a:pt x="478852" y="3936598"/>
-                  </a:lnTo>
-                  <a:lnTo>
-                    <a:pt x="529587" y="4003366"/>
-                  </a:lnTo>
-                  <a:lnTo>
-                    <a:pt x="582556" y="4068375"/>
-                  </a:lnTo>
-                  <a:lnTo>
-                    <a:pt x="637698" y="4131552"/>
-                  </a:lnTo>
-                  <a:lnTo>
-                    <a:pt x="694950" y="4192824"/>
-                  </a:lnTo>
-                  <a:lnTo>
-                    <a:pt x="754245" y="4252119"/>
-                  </a:lnTo>
-                  <a:lnTo>
-                    <a:pt x="815517" y="4309371"/>
-                  </a:lnTo>
-                  <a:lnTo>
-                    <a:pt x="878694" y="4364513"/>
-                  </a:lnTo>
-                  <a:lnTo>
-                    <a:pt x="943703" y="4417482"/>
-                  </a:lnTo>
-                  <a:lnTo>
-                    <a:pt x="1010471" y="4468216"/>
-                  </a:lnTo>
-                  <a:lnTo>
-                    <a:pt x="1078920" y="4516659"/>
-                  </a:lnTo>
-                  <a:lnTo>
-                    <a:pt x="1148971" y="4562754"/>
-                  </a:lnTo>
-                  <a:lnTo>
-                    <a:pt x="1220545" y="4606447"/>
-                  </a:lnTo>
-                  <a:lnTo>
-                    <a:pt x="1293558" y="4647690"/>
-                  </a:lnTo>
-                  <a:lnTo>
-                    <a:pt x="1367928" y="4686434"/>
-                  </a:lnTo>
-                  <a:lnTo>
-                    <a:pt x="1443568" y="4722635"/>
-                  </a:lnTo>
-                  <a:lnTo>
-                    <a:pt x="1520392" y="4756251"/>
-                  </a:lnTo>
-                  <a:lnTo>
-                    <a:pt x="1598311" y="4787244"/>
-                  </a:lnTo>
-                  <a:lnTo>
-                    <a:pt x="1677236" y="4815578"/>
-                  </a:lnTo>
-                  <a:lnTo>
-                    <a:pt x="1757075" y="4841221"/>
-                  </a:lnTo>
-                  <a:lnTo>
-                    <a:pt x="1837738" y="4864143"/>
-                  </a:lnTo>
-                  <a:lnTo>
-                    <a:pt x="1919132" y="4884317"/>
-                  </a:lnTo>
-                  <a:lnTo>
-                    <a:pt x="2001163" y="4901721"/>
-                  </a:lnTo>
-                  <a:lnTo>
-                    <a:pt x="2083736" y="4916334"/>
-                  </a:lnTo>
-                  <a:lnTo>
-                    <a:pt x="2166758" y="4928140"/>
-                  </a:lnTo>
-                  <a:lnTo>
-                    <a:pt x="2250132" y="4937126"/>
-                  </a:lnTo>
-                  <a:lnTo>
-                    <a:pt x="2333762" y="4943280"/>
-                  </a:lnTo>
-                  <a:lnTo>
-                    <a:pt x="2417553" y="4946596"/>
-                  </a:lnTo>
-                  <a:lnTo>
-                    <a:pt x="2501408" y="4947069"/>
-                  </a:lnTo>
-                  <a:lnTo>
-                    <a:pt x="2585232" y="4944701"/>
-                  </a:lnTo>
-                  <a:lnTo>
-                    <a:pt x="2668926" y="4939492"/>
-                  </a:lnTo>
-                  <a:lnTo>
-                    <a:pt x="2752396" y="4931449"/>
-                  </a:lnTo>
-                  <a:lnTo>
-                    <a:pt x="2835546" y="4920582"/>
-                  </a:lnTo>
-                  <a:lnTo>
-                    <a:pt x="2918279" y="4906903"/>
-                  </a:lnTo>
-                  <a:lnTo>
-                    <a:pt x="3000501" y="4890427"/>
-                  </a:lnTo>
-                  <a:lnTo>
-                    <a:pt x="3082118" y="4871174"/>
-                  </a:lnTo>
-                  <a:lnTo>
-                    <a:pt x="3163035" y="4849165"/>
-                  </a:lnTo>
-                  <a:lnTo>
-                    <a:pt x="3243159" y="4824426"/>
-                  </a:lnTo>
-                  <a:lnTo>
-                    <a:pt x="3322399" y="4796986"/>
-                  </a:lnTo>
-                  <a:lnTo>
-                    <a:pt x="3400664" y="4766876"/>
-                  </a:lnTo>
-                  <a:lnTo>
-                    <a:pt x="3477862" y="4734130"/>
-                  </a:lnTo>
-                  <a:lnTo>
-                    <a:pt x="3553907" y="4698786"/>
-                  </a:lnTo>
-                  <a:lnTo>
-                    <a:pt x="3628709" y="4660885"/>
-                  </a:lnTo>
-                  <a:lnTo>
-                    <a:pt x="3702184" y="4620470"/>
-                  </a:lnTo>
-                  <a:lnTo>
-                    <a:pt x="3774247" y="4577588"/>
-                  </a:lnTo>
-                  <a:lnTo>
-                    <a:pt x="3844815" y="4532287"/>
-                  </a:lnTo>
-                  <a:lnTo>
-                    <a:pt x="3913807" y="4484621"/>
-                  </a:lnTo>
-                  <a:lnTo>
-                    <a:pt x="3981144" y="4434644"/>
-                  </a:lnTo>
-                  <a:lnTo>
-                    <a:pt x="4046748" y="4382414"/>
-                  </a:lnTo>
-                  <a:lnTo>
-                    <a:pt x="4110543" y="4327989"/>
-                  </a:lnTo>
-                  <a:lnTo>
-                    <a:pt x="4172458" y="4271433"/>
-                  </a:lnTo>
-                  <a:lnTo>
-                    <a:pt x="4232420" y="4212812"/>
-                  </a:lnTo>
-                  <a:lnTo>
-                    <a:pt x="4290360" y="4152191"/>
-                  </a:lnTo>
-                  <a:lnTo>
-                    <a:pt x="4346213" y="4089642"/>
-                  </a:lnTo>
-                  <a:lnTo>
-                    <a:pt x="4399913" y="4025235"/>
-                  </a:lnTo>
-                  <a:lnTo>
-                    <a:pt x="4451399" y="3959045"/>
-                  </a:lnTo>
-                  <a:lnTo>
-                    <a:pt x="4500612" y="3891148"/>
-                  </a:lnTo>
-                  <a:lnTo>
-                    <a:pt x="4547495" y="3821621"/>
-                  </a:lnTo>
-                  <a:lnTo>
-                    <a:pt x="4591995" y="3750546"/>
-                  </a:lnTo>
-                  <a:lnTo>
-                    <a:pt x="4634060" y="3678003"/>
-                  </a:lnTo>
-                  <a:lnTo>
-                    <a:pt x="4673642" y="3604076"/>
-                  </a:lnTo>
-                  <a:lnTo>
-                    <a:pt x="4710695" y="3528850"/>
-                  </a:lnTo>
-                  <a:lnTo>
-                    <a:pt x="4745178" y="3452411"/>
-                  </a:lnTo>
-                  <a:lnTo>
-                    <a:pt x="4777049" y="3374847"/>
-                  </a:lnTo>
-                  <a:lnTo>
-                    <a:pt x="4806273" y="3296248"/>
-                  </a:lnTo>
-                  <a:lnTo>
-                    <a:pt x="4832816" y="3216703"/>
-                  </a:lnTo>
-                  <a:lnTo>
-                    <a:pt x="4856648" y="3136304"/>
-                  </a:lnTo>
-                  <a:lnTo>
-                    <a:pt x="4877741" y="3055143"/>
-                  </a:lnTo>
-                  <a:lnTo>
-                    <a:pt x="4896071" y="2973315"/>
-                  </a:lnTo>
-                  <a:lnTo>
-                    <a:pt x="4911616" y="2890912"/>
-                  </a:lnTo>
-                  <a:lnTo>
-                    <a:pt x="4924360" y="2808029"/>
-                  </a:lnTo>
-                  <a:lnTo>
-                    <a:pt x="4934287" y="2724762"/>
-                  </a:lnTo>
-                  <a:lnTo>
-                    <a:pt x="4941385" y="2641206"/>
-                  </a:lnTo>
-                  <a:lnTo>
-                    <a:pt x="4945648" y="2557458"/>
-                  </a:lnTo>
-                  <a:lnTo>
-                    <a:pt x="4947069" y="2473613"/>
-                  </a:lnTo>
-                  <a:lnTo>
-                    <a:pt x="4861772" y="2473613"/>
-                  </a:lnTo>
-                  <a:lnTo>
-                    <a:pt x="4776475" y="2473613"/>
-                  </a:lnTo>
-                  <a:lnTo>
-                    <a:pt x="4691178" y="2473613"/>
-                  </a:lnTo>
-                  <a:lnTo>
-                    <a:pt x="4605881" y="2473613"/>
-                  </a:lnTo>
-                  <a:lnTo>
-                    <a:pt x="4520584" y="2473613"/>
-                  </a:lnTo>
-                  <a:lnTo>
-                    <a:pt x="4435287" y="2473613"/>
-                  </a:lnTo>
-                  <a:lnTo>
-                    <a:pt x="4349990" y="2473613"/>
-                  </a:lnTo>
-                  <a:lnTo>
-                    <a:pt x="4264693" y="2473613"/>
-                  </a:lnTo>
-                  <a:lnTo>
-                    <a:pt x="4179396" y="2473613"/>
-                  </a:lnTo>
-                  <a:lnTo>
-                    <a:pt x="4094099" y="2473613"/>
-                  </a:lnTo>
-                  <a:lnTo>
-                    <a:pt x="4008802" y="2473613"/>
-                  </a:lnTo>
-                  <a:lnTo>
-                    <a:pt x="3923505" y="2473613"/>
-                  </a:lnTo>
-                  <a:lnTo>
-                    <a:pt x="3838208" y="2473613"/>
-                  </a:lnTo>
-                  <a:lnTo>
-                    <a:pt x="3752911" y="2473613"/>
-                  </a:lnTo>
-                  <a:lnTo>
-                    <a:pt x="3667614" y="2473613"/>
-                  </a:lnTo>
-                  <a:lnTo>
-                    <a:pt x="3582317" y="2473613"/>
-                  </a:lnTo>
-                  <a:lnTo>
-                    <a:pt x="3497020" y="2473613"/>
-                  </a:lnTo>
-                  <a:lnTo>
-                    <a:pt x="3411723" y="2473613"/>
-                  </a:lnTo>
-                  <a:lnTo>
-                    <a:pt x="3326426" y="2473613"/>
-                  </a:lnTo>
-                  <a:lnTo>
-                    <a:pt x="3241129" y="2473613"/>
-                  </a:lnTo>
-                  <a:lnTo>
-                    <a:pt x="3155832" y="2473613"/>
-                  </a:lnTo>
-                  <a:lnTo>
-                    <a:pt x="3070535" y="2473613"/>
-                  </a:lnTo>
-                  <a:lnTo>
-                    <a:pt x="2985238" y="2473613"/>
-                  </a:lnTo>
-                  <a:lnTo>
-                    <a:pt x="2899941" y="2473613"/>
-                  </a:lnTo>
-                  <a:lnTo>
-                    <a:pt x="2814644" y="2473613"/>
-                  </a:lnTo>
-                  <a:lnTo>
-                    <a:pt x="2729347" y="2473613"/>
-                  </a:lnTo>
-                  <a:lnTo>
-                    <a:pt x="2644050" y="2473613"/>
-                  </a:lnTo>
-                  <a:lnTo>
-                    <a:pt x="2558753" y="2473613"/>
+                    <a:pt x="2473514" y="2388316"/>
+                  </a:lnTo>
+                  <a:lnTo>
+                    <a:pt x="2473514" y="2303019"/>
+                  </a:lnTo>
+                  <a:lnTo>
+                    <a:pt x="2473514" y="2217722"/>
+                  </a:lnTo>
+                  <a:lnTo>
+                    <a:pt x="2473514" y="2132425"/>
+                  </a:lnTo>
+                  <a:lnTo>
+                    <a:pt x="2473514" y="2047128"/>
+                  </a:lnTo>
+                  <a:lnTo>
+                    <a:pt x="2473514" y="1961831"/>
+                  </a:lnTo>
+                  <a:lnTo>
+                    <a:pt x="2473514" y="1876534"/>
+                  </a:lnTo>
+                  <a:lnTo>
+                    <a:pt x="2473514" y="1791237"/>
+                  </a:lnTo>
+                  <a:lnTo>
+                    <a:pt x="2473514" y="1705940"/>
+                  </a:lnTo>
+                  <a:lnTo>
+                    <a:pt x="2473514" y="1620643"/>
+                  </a:lnTo>
+                  <a:lnTo>
+                    <a:pt x="2473514" y="1535346"/>
+                  </a:lnTo>
+                  <a:lnTo>
+                    <a:pt x="2473514" y="1450049"/>
+                  </a:lnTo>
+                  <a:lnTo>
+                    <a:pt x="2473514" y="1364752"/>
+                  </a:lnTo>
+                  <a:lnTo>
+                    <a:pt x="2473514" y="1279455"/>
+                  </a:lnTo>
+                  <a:lnTo>
+                    <a:pt x="2473514" y="1194158"/>
+                  </a:lnTo>
+                  <a:lnTo>
+                    <a:pt x="2473514" y="1108861"/>
+                  </a:lnTo>
+                  <a:lnTo>
+                    <a:pt x="2473514" y="1023564"/>
+                  </a:lnTo>
+                  <a:lnTo>
+                    <a:pt x="2473514" y="938267"/>
+                  </a:lnTo>
+                  <a:lnTo>
+                    <a:pt x="2473514" y="852970"/>
+                  </a:lnTo>
+                  <a:lnTo>
+                    <a:pt x="2473514" y="767673"/>
+                  </a:lnTo>
+                  <a:lnTo>
+                    <a:pt x="2473514" y="682376"/>
+                  </a:lnTo>
+                  <a:lnTo>
+                    <a:pt x="2473514" y="597079"/>
+                  </a:lnTo>
+                  <a:lnTo>
+                    <a:pt x="2473514" y="511782"/>
+                  </a:lnTo>
+                  <a:lnTo>
+                    <a:pt x="2473514" y="426485"/>
+                  </a:lnTo>
+                  <a:lnTo>
+                    <a:pt x="2473514" y="341188"/>
+                  </a:lnTo>
+                  <a:lnTo>
+                    <a:pt x="2473514" y="255891"/>
+                  </a:lnTo>
+                  <a:lnTo>
+                    <a:pt x="2473514" y="170594"/>
+                  </a:lnTo>
+                  <a:lnTo>
+                    <a:pt x="2473514" y="85297"/>
+                  </a:lnTo>
+                  <a:lnTo>
+                    <a:pt x="2473514" y="0"/>
+                  </a:lnTo>
+                  <a:lnTo>
+                    <a:pt x="2389545" y="1425"/>
+                  </a:lnTo>
+                  <a:lnTo>
+                    <a:pt x="2305672" y="5700"/>
+                  </a:lnTo>
+                  <a:lnTo>
+                    <a:pt x="2221994" y="12820"/>
+                  </a:lnTo>
+                  <a:lnTo>
+                    <a:pt x="2138605" y="22776"/>
+                  </a:lnTo>
+                  <a:lnTo>
+                    <a:pt x="2055602" y="35558"/>
+                  </a:lnTo>
+                  <a:lnTo>
+                    <a:pt x="1973081" y="51149"/>
+                  </a:lnTo>
+                  <a:lnTo>
+                    <a:pt x="1891137" y="69533"/>
+                  </a:lnTo>
+                  <a:lnTo>
+                    <a:pt x="1809864" y="90688"/>
+                  </a:lnTo>
+                  <a:lnTo>
+                    <a:pt x="1729356" y="114589"/>
+                  </a:lnTo>
+                  <a:lnTo>
+                    <a:pt x="1649706" y="141210"/>
+                  </a:lnTo>
+                  <a:lnTo>
+                    <a:pt x="1571005" y="170519"/>
+                  </a:lnTo>
+                  <a:lnTo>
+                    <a:pt x="1493345" y="202482"/>
+                  </a:lnTo>
+                  <a:lnTo>
+                    <a:pt x="1416815" y="237064"/>
+                  </a:lnTo>
+                  <a:lnTo>
+                    <a:pt x="1341502" y="274224"/>
+                  </a:lnTo>
+                  <a:lnTo>
+                    <a:pt x="1267494" y="313918"/>
+                  </a:lnTo>
+                  <a:lnTo>
+                    <a:pt x="1194877" y="356102"/>
+                  </a:lnTo>
+                  <a:lnTo>
+                    <a:pt x="1123733" y="400727"/>
+                  </a:lnTo>
+                  <a:lnTo>
+                    <a:pt x="1054145" y="447741"/>
+                  </a:lnTo>
+                  <a:lnTo>
+                    <a:pt x="986193" y="497090"/>
+                  </a:lnTo>
+                  <a:lnTo>
+                    <a:pt x="919955" y="548718"/>
+                  </a:lnTo>
+                  <a:lnTo>
+                    <a:pt x="855509" y="602564"/>
+                  </a:lnTo>
+                  <a:lnTo>
+                    <a:pt x="792927" y="658567"/>
+                  </a:lnTo>
+                  <a:lnTo>
+                    <a:pt x="732282" y="716662"/>
+                  </a:lnTo>
+                  <a:lnTo>
+                    <a:pt x="673644" y="776782"/>
+                  </a:lnTo>
+                  <a:lnTo>
+                    <a:pt x="617081" y="838858"/>
+                  </a:lnTo>
+                  <a:lnTo>
+                    <a:pt x="562658" y="902818"/>
+                  </a:lnTo>
+                  <a:lnTo>
+                    <a:pt x="510437" y="968589"/>
+                  </a:lnTo>
+                  <a:lnTo>
+                    <a:pt x="460479" y="1036095"/>
+                  </a:lnTo>
+                  <a:lnTo>
+                    <a:pt x="412842" y="1105258"/>
+                  </a:lnTo>
+                  <a:lnTo>
+                    <a:pt x="367579" y="1175998"/>
+                  </a:lnTo>
+                  <a:lnTo>
+                    <a:pt x="324744" y="1248233"/>
+                  </a:lnTo>
+                  <a:lnTo>
+                    <a:pt x="284386" y="1321881"/>
+                  </a:lnTo>
+                  <a:lnTo>
+                    <a:pt x="246551" y="1396857"/>
+                  </a:lnTo>
+                  <a:lnTo>
+                    <a:pt x="211283" y="1473073"/>
+                  </a:lnTo>
+                  <a:lnTo>
+                    <a:pt x="178623" y="1550443"/>
+                  </a:lnTo>
+                  <a:lnTo>
+                    <a:pt x="148608" y="1628877"/>
+                  </a:lnTo>
+                  <a:lnTo>
+                    <a:pt x="121272" y="1708285"/>
+                  </a:lnTo>
+                  <a:lnTo>
+                    <a:pt x="96648" y="1788575"/>
+                  </a:lnTo>
+                  <a:lnTo>
+                    <a:pt x="74764" y="1869654"/>
+                  </a:lnTo>
+                  <a:lnTo>
+                    <a:pt x="55645" y="1951430"/>
+                  </a:lnTo>
+                  <a:lnTo>
+                    <a:pt x="39312" y="2033808"/>
+                  </a:lnTo>
+                  <a:lnTo>
+                    <a:pt x="25785" y="2116692"/>
+                  </a:lnTo>
+                  <a:lnTo>
+                    <a:pt x="15080" y="2199988"/>
+                  </a:lnTo>
+                  <a:lnTo>
+                    <a:pt x="7208" y="2283599"/>
+                  </a:lnTo>
+                  <a:lnTo>
+                    <a:pt x="2180" y="2367430"/>
+                  </a:lnTo>
+                  <a:lnTo>
+                    <a:pt x="0" y="2451382"/>
+                  </a:lnTo>
+                  <a:lnTo>
+                    <a:pt x="670" y="2535361"/>
+                  </a:lnTo>
+                  <a:lnTo>
+                    <a:pt x="4192" y="2619268"/>
+                  </a:lnTo>
+                  <a:lnTo>
+                    <a:pt x="10559" y="2703007"/>
+                  </a:lnTo>
+                  <a:lnTo>
+                    <a:pt x="19766" y="2786482"/>
+                  </a:lnTo>
+                  <a:lnTo>
+                    <a:pt x="31800" y="2869596"/>
+                  </a:lnTo>
+                  <a:lnTo>
+                    <a:pt x="46650" y="2952254"/>
+                  </a:lnTo>
+                  <a:lnTo>
+                    <a:pt x="64296" y="3034360"/>
+                  </a:lnTo>
+                  <a:lnTo>
+                    <a:pt x="84720" y="3115820"/>
+                  </a:lnTo>
+                  <a:lnTo>
+                    <a:pt x="107897" y="3196539"/>
+                  </a:lnTo>
+                  <a:lnTo>
+                    <a:pt x="133800" y="3276426"/>
+                  </a:lnTo>
+                  <a:lnTo>
+                    <a:pt x="162401" y="3355387"/>
+                  </a:lnTo>
+                  <a:lnTo>
+                    <a:pt x="193665" y="3433331"/>
+                  </a:lnTo>
+                  <a:lnTo>
+                    <a:pt x="227558" y="3510169"/>
+                  </a:lnTo>
+                  <a:lnTo>
+                    <a:pt x="264039" y="3585813"/>
+                  </a:lnTo>
+                  <a:lnTo>
+                    <a:pt x="303067" y="3660174"/>
+                  </a:lnTo>
+                  <a:lnTo>
+                    <a:pt x="344596" y="3733168"/>
+                  </a:lnTo>
+                  <a:lnTo>
+                    <a:pt x="388580" y="3804710"/>
+                  </a:lnTo>
+                  <a:lnTo>
+                    <a:pt x="434967" y="3874718"/>
+                  </a:lnTo>
+                  <a:lnTo>
+                    <a:pt x="483703" y="3943110"/>
+                  </a:lnTo>
+                  <a:lnTo>
+                    <a:pt x="534733" y="4009809"/>
+                  </a:lnTo>
+                  <a:lnTo>
+                    <a:pt x="587998" y="4074737"/>
+                  </a:lnTo>
+                  <a:lnTo>
+                    <a:pt x="643436" y="4137820"/>
+                  </a:lnTo>
+                  <a:lnTo>
+                    <a:pt x="700984" y="4198984"/>
+                  </a:lnTo>
+                  <a:lnTo>
+                    <a:pt x="760575" y="4258160"/>
+                  </a:lnTo>
+                  <a:lnTo>
+                    <a:pt x="822140" y="4315279"/>
+                  </a:lnTo>
+                  <a:lnTo>
+                    <a:pt x="885609" y="4370275"/>
+                  </a:lnTo>
+                  <a:lnTo>
+                    <a:pt x="950908" y="4423084"/>
+                  </a:lnTo>
+                  <a:lnTo>
+                    <a:pt x="1017961" y="4473647"/>
+                  </a:lnTo>
+                  <a:lnTo>
+                    <a:pt x="1086693" y="4521904"/>
+                  </a:lnTo>
+                  <a:lnTo>
+                    <a:pt x="1157023" y="4567801"/>
+                  </a:lnTo>
+                  <a:lnTo>
+                    <a:pt x="1228871" y="4611283"/>
+                  </a:lnTo>
+                  <a:lnTo>
+                    <a:pt x="1302153" y="4652301"/>
+                  </a:lnTo>
+                  <a:lnTo>
+                    <a:pt x="1376786" y="4690809"/>
+                  </a:lnTo>
+                  <a:lnTo>
+                    <a:pt x="1452683" y="4726760"/>
+                  </a:lnTo>
+                  <a:lnTo>
+                    <a:pt x="1529756" y="4760115"/>
+                  </a:lnTo>
+                  <a:lnTo>
+                    <a:pt x="1607917" y="4790833"/>
+                  </a:lnTo>
+                  <a:lnTo>
+                    <a:pt x="1687076" y="4818881"/>
+                  </a:lnTo>
+                  <a:lnTo>
+                    <a:pt x="1767141" y="4844226"/>
+                  </a:lnTo>
+                  <a:lnTo>
+                    <a:pt x="1848021" y="4866838"/>
+                  </a:lnTo>
+                  <a:lnTo>
+                    <a:pt x="1929621" y="4886692"/>
+                  </a:lnTo>
+                  <a:lnTo>
+                    <a:pt x="2011849" y="4903764"/>
+                  </a:lnTo>
+                  <a:lnTo>
+                    <a:pt x="2094608" y="4918035"/>
+                  </a:lnTo>
+                  <a:lnTo>
+                    <a:pt x="2177805" y="4929488"/>
+                  </a:lnTo>
+                  <a:lnTo>
+                    <a:pt x="2261342" y="4938111"/>
+                  </a:lnTo>
+                  <a:lnTo>
+                    <a:pt x="2345124" y="4943893"/>
+                  </a:lnTo>
+                  <a:lnTo>
+                    <a:pt x="2429053" y="4946828"/>
+                  </a:lnTo>
+                  <a:lnTo>
+                    <a:pt x="2513034" y="4946912"/>
+                  </a:lnTo>
+                  <a:lnTo>
+                    <a:pt x="2596970" y="4944145"/>
+                  </a:lnTo>
+                  <a:lnTo>
+                    <a:pt x="2680763" y="4938530"/>
+                  </a:lnTo>
+                  <a:lnTo>
+                    <a:pt x="2764317" y="4930074"/>
+                  </a:lnTo>
+                  <a:lnTo>
+                    <a:pt x="2847536" y="4918787"/>
+                  </a:lnTo>
+                  <a:lnTo>
+                    <a:pt x="2930324" y="4904681"/>
+                  </a:lnTo>
+                  <a:lnTo>
+                    <a:pt x="3012585" y="4887773"/>
+                  </a:lnTo>
+                  <a:lnTo>
+                    <a:pt x="3094225" y="4868083"/>
+                  </a:lnTo>
+                  <a:lnTo>
+                    <a:pt x="3175150" y="4845632"/>
+                  </a:lnTo>
+                  <a:lnTo>
+                    <a:pt x="3255266" y="4820447"/>
+                  </a:lnTo>
+                  <a:lnTo>
+                    <a:pt x="3334480" y="4792558"/>
+                  </a:lnTo>
+                  <a:lnTo>
+                    <a:pt x="3412703" y="4761995"/>
+                  </a:lnTo>
+                  <a:lnTo>
+                    <a:pt x="3489843" y="4728794"/>
+                  </a:lnTo>
+                  <a:lnTo>
+                    <a:pt x="3565811" y="4692995"/>
+                  </a:lnTo>
+                  <a:lnTo>
+                    <a:pt x="3640520" y="4654637"/>
+                  </a:lnTo>
+                  <a:lnTo>
+                    <a:pt x="3713884" y="4613765"/>
+                  </a:lnTo>
+                  <a:lnTo>
+                    <a:pt x="3785819" y="4570426"/>
+                  </a:lnTo>
+                  <a:lnTo>
+                    <a:pt x="3856240" y="4524670"/>
+                  </a:lnTo>
+                  <a:lnTo>
+                    <a:pt x="3925068" y="4476550"/>
+                  </a:lnTo>
+                  <a:lnTo>
+                    <a:pt x="3992223" y="4426121"/>
+                  </a:lnTo>
+                  <a:lnTo>
+                    <a:pt x="4057627" y="4373442"/>
+                  </a:lnTo>
+                  <a:lnTo>
+                    <a:pt x="4121206" y="4318573"/>
+                  </a:lnTo>
+                  <a:lnTo>
+                    <a:pt x="4182885" y="4261578"/>
+                  </a:lnTo>
+                  <a:lnTo>
+                    <a:pt x="4242594" y="4202521"/>
+                  </a:lnTo>
+                  <a:lnTo>
+                    <a:pt x="4300263" y="4141472"/>
+                  </a:lnTo>
+                  <a:lnTo>
+                    <a:pt x="4355827" y="4078500"/>
+                  </a:lnTo>
+                  <a:lnTo>
+                    <a:pt x="4409222" y="4013678"/>
+                  </a:lnTo>
+                  <a:lnTo>
+                    <a:pt x="4460385" y="3947082"/>
+                  </a:lnTo>
+                  <a:lnTo>
+                    <a:pt x="4509258" y="3878786"/>
+                  </a:lnTo>
+                  <a:lnTo>
+                    <a:pt x="4555784" y="3808871"/>
+                  </a:lnTo>
+                  <a:lnTo>
+                    <a:pt x="4599911" y="3737417"/>
+                  </a:lnTo>
+                  <a:lnTo>
+                    <a:pt x="4641586" y="3664507"/>
+                  </a:lnTo>
+                  <a:lnTo>
+                    <a:pt x="4680763" y="3590223"/>
+                  </a:lnTo>
+                  <a:lnTo>
+                    <a:pt x="4717395" y="3514653"/>
+                  </a:lnTo>
+                  <a:lnTo>
+                    <a:pt x="4751440" y="3437882"/>
+                  </a:lnTo>
+                  <a:lnTo>
+                    <a:pt x="4782861" y="3360001"/>
+                  </a:lnTo>
+                  <a:lnTo>
+                    <a:pt x="4811619" y="3281097"/>
+                  </a:lnTo>
+                  <a:lnTo>
+                    <a:pt x="4837682" y="3201263"/>
+                  </a:lnTo>
+                  <a:lnTo>
+                    <a:pt x="4861020" y="3120590"/>
+                  </a:lnTo>
+                  <a:lnTo>
+                    <a:pt x="4881606" y="3039171"/>
+                  </a:lnTo>
+                  <a:lnTo>
+                    <a:pt x="4899417" y="2957100"/>
+                  </a:lnTo>
+                  <a:lnTo>
+                    <a:pt x="4914431" y="2874472"/>
+                  </a:lnTo>
+                  <a:lnTo>
+                    <a:pt x="4926632" y="2791382"/>
+                  </a:lnTo>
+                  <a:lnTo>
+                    <a:pt x="4936005" y="2707926"/>
+                  </a:lnTo>
+                  <a:lnTo>
+                    <a:pt x="4942540" y="2624199"/>
+                  </a:lnTo>
+                  <a:lnTo>
+                    <a:pt x="4946228" y="2540299"/>
+                  </a:lnTo>
+                  <a:lnTo>
+                    <a:pt x="4947067" y="2456323"/>
+                  </a:lnTo>
+                  <a:lnTo>
+                    <a:pt x="4945054" y="2372366"/>
+                  </a:lnTo>
+                  <a:lnTo>
+                    <a:pt x="4940193" y="2288525"/>
+                  </a:lnTo>
+                  <a:lnTo>
+                    <a:pt x="4932489" y="2204899"/>
+                  </a:lnTo>
+                  <a:lnTo>
+                    <a:pt x="4921950" y="2121581"/>
+                  </a:lnTo>
+                  <a:lnTo>
+                    <a:pt x="4837521" y="2133720"/>
+                  </a:lnTo>
+                  <a:lnTo>
+                    <a:pt x="4753092" y="2145860"/>
+                  </a:lnTo>
+                  <a:lnTo>
+                    <a:pt x="4668663" y="2157999"/>
+                  </a:lnTo>
+                  <a:lnTo>
+                    <a:pt x="4584234" y="2170138"/>
+                  </a:lnTo>
+                  <a:lnTo>
+                    <a:pt x="4499805" y="2182277"/>
+                  </a:lnTo>
+                  <a:lnTo>
+                    <a:pt x="4415377" y="2194416"/>
+                  </a:lnTo>
+                  <a:lnTo>
+                    <a:pt x="4330948" y="2206555"/>
+                  </a:lnTo>
+                  <a:lnTo>
+                    <a:pt x="4246519" y="2218694"/>
+                  </a:lnTo>
+                  <a:lnTo>
+                    <a:pt x="4162090" y="2230833"/>
+                  </a:lnTo>
+                  <a:lnTo>
+                    <a:pt x="4077661" y="2242972"/>
+                  </a:lnTo>
+                  <a:lnTo>
+                    <a:pt x="3993232" y="2255111"/>
+                  </a:lnTo>
+                  <a:lnTo>
+                    <a:pt x="3908804" y="2267250"/>
+                  </a:lnTo>
+                  <a:lnTo>
+                    <a:pt x="3824375" y="2279389"/>
+                  </a:lnTo>
+                  <a:lnTo>
+                    <a:pt x="3739946" y="2291528"/>
+                  </a:lnTo>
+                  <a:lnTo>
+                    <a:pt x="3655517" y="2303667"/>
+                  </a:lnTo>
+                  <a:lnTo>
+                    <a:pt x="3571088" y="2315806"/>
+                  </a:lnTo>
+                  <a:lnTo>
+                    <a:pt x="3486660" y="2327945"/>
+                  </a:lnTo>
+                  <a:lnTo>
+                    <a:pt x="3402231" y="2340084"/>
+                  </a:lnTo>
+                  <a:lnTo>
+                    <a:pt x="3317802" y="2352223"/>
+                  </a:lnTo>
+                  <a:lnTo>
+                    <a:pt x="3233373" y="2364362"/>
+                  </a:lnTo>
+                  <a:lnTo>
+                    <a:pt x="3148944" y="2376501"/>
+                  </a:lnTo>
+                  <a:lnTo>
+                    <a:pt x="3064515" y="2388640"/>
+                  </a:lnTo>
+                  <a:lnTo>
+                    <a:pt x="2980087" y="2400779"/>
+                  </a:lnTo>
+                  <a:lnTo>
+                    <a:pt x="2895658" y="2412918"/>
+                  </a:lnTo>
+                  <a:lnTo>
+                    <a:pt x="2811229" y="2425057"/>
+                  </a:lnTo>
+                  <a:lnTo>
+                    <a:pt x="2726800" y="2437196"/>
+                  </a:lnTo>
+                  <a:lnTo>
+                    <a:pt x="2642371" y="2449335"/>
+                  </a:lnTo>
+                  <a:lnTo>
+                    <a:pt x="2557942" y="2461474"/>
                   </a:lnTo>
                   <a:close/>
                 </a:path>
@@ -3486,105 +3275,13 @@
         </p:sp>
         <p:sp>
           <p:nvSpPr>
-            <p:cNvPr id="8" name="tx7"/>
+            <p:cNvPr id="7" name="tx6"/>
             <p:cNvSpPr/>
             <p:nvPr/>
           </p:nvSpPr>
           <p:spPr>
             <a:xfrm>
-              <a:off x="4868239" y="2704717"/>
-              <a:ext cx="1301071" cy="203576"/>
-            </a:xfrm>
-            <a:prstGeom prst="rect">
-              <a:avLst/>
-            </a:prstGeom>
-            <a:noFill/>
-          </p:spPr>
-          <p:txBody>
-            <a:bodyPr lIns="0" rIns="0" tIns="0" bIns="0" anchorCtr="1" anchor="ctr" wrap="none"/>
-            <a:lstStyle/>
-            <a:p>
-              <a:pPr algn="l" marL="0" marR="0" indent="0">
-                <a:lnSpc>
-                  <a:spcPts val="1707"/>
-                </a:lnSpc>
-                <a:spcBef>
-                  <a:spcPts val="0"/>
-                </a:spcBef>
-                <a:spcAft>
-                  <a:spcPts val="0"/>
-                </a:spcAft>
-              </a:pPr>
-              <a:r>
-                <a:rPr sz="1707">
-                  <a:solidFill>
-                    <a:srgbClr val="000000">
-                      <a:alpha val="100000"/>
-                    </a:srgbClr>
-                  </a:solidFill>
-                  <a:latin typeface="Arial"/>
-                  <a:cs typeface="Arial"/>
-                </a:rPr>
-                <a:t>TORC2 Only </a:t>
-              </a:r>
-            </a:p>
-          </p:txBody>
-        </p:sp>
-        <p:sp>
-          <p:nvSpPr>
-            <p:cNvPr id="9" name="tx8"/>
-            <p:cNvSpPr/>
-            <p:nvPr/>
-          </p:nvSpPr>
-          <p:spPr>
-            <a:xfrm>
-              <a:off x="5428367" y="3064668"/>
-              <a:ext cx="180816" cy="155832"/>
-            </a:xfrm>
-            <a:prstGeom prst="rect">
-              <a:avLst/>
-            </a:prstGeom>
-            <a:noFill/>
-          </p:spPr>
-          <p:txBody>
-            <a:bodyPr lIns="0" rIns="0" tIns="0" bIns="0" anchorCtr="1" anchor="ctr" wrap="none"/>
-            <a:lstStyle/>
-            <a:p>
-              <a:pPr algn="l" marL="0" marR="0" indent="0">
-                <a:lnSpc>
-                  <a:spcPts val="1707"/>
-                </a:lnSpc>
-                <a:spcBef>
-                  <a:spcPts val="0"/>
-                </a:spcBef>
-                <a:spcAft>
-                  <a:spcPts val="0"/>
-                </a:spcAft>
-              </a:pPr>
-              <a:r>
-                <a:rPr sz="1707">
-                  <a:solidFill>
-                    <a:srgbClr val="000000">
-                      <a:alpha val="100000"/>
-                    </a:srgbClr>
-                  </a:solidFill>
-                  <a:latin typeface="Arial"/>
-                  <a:cs typeface="Arial"/>
-                </a:rPr>
-                <a:t> 1</a:t>
-              </a:r>
-            </a:p>
-          </p:txBody>
-        </p:sp>
-        <p:sp>
-          <p:nvSpPr>
-            <p:cNvPr id="10" name="tx9"/>
-            <p:cNvSpPr/>
-            <p:nvPr/>
-          </p:nvSpPr>
-          <p:spPr>
-            <a:xfrm>
-              <a:off x="5733012" y="3089739"/>
+              <a:off x="5645800" y="3006384"/>
               <a:ext cx="1301071" cy="203576"/>
             </a:xfrm>
             <a:prstGeom prst="rect">
@@ -3624,14 +3321,14 @@
         </p:sp>
         <p:sp>
           <p:nvSpPr>
-            <p:cNvPr id="11" name="tx10"/>
+            <p:cNvPr id="8" name="tx7"/>
             <p:cNvSpPr/>
             <p:nvPr/>
           </p:nvSpPr>
           <p:spPr>
             <a:xfrm>
-              <a:off x="6232850" y="3447043"/>
-              <a:ext cx="301395" cy="158478"/>
+              <a:off x="5808143" y="3358607"/>
+              <a:ext cx="976386" cy="163560"/>
             </a:xfrm>
             <a:prstGeom prst="rect">
               <a:avLst/>
@@ -3663,20 +3360,20 @@
                   <a:latin typeface="Arial"/>
                   <a:cs typeface="Arial"/>
                 </a:rPr>
-                <a:t> 29</a:t>
+                <a:t> 22.727 %</a:t>
               </a:r>
             </a:p>
           </p:txBody>
         </p:sp>
         <p:sp>
           <p:nvSpPr>
-            <p:cNvPr id="12" name="tx11"/>
+            <p:cNvPr id="9" name="tx8"/>
             <p:cNvSpPr/>
             <p:nvPr/>
           </p:nvSpPr>
           <p:spPr>
             <a:xfrm>
-              <a:off x="3714381" y="4857683"/>
+              <a:off x="3778999" y="4917845"/>
               <a:ext cx="1794928" cy="161548"/>
             </a:xfrm>
             <a:prstGeom prst="rect">
@@ -3716,14 +3413,14 @@
         </p:sp>
         <p:sp>
           <p:nvSpPr>
-            <p:cNvPr id="13" name="tx12"/>
+            <p:cNvPr id="10" name="tx9"/>
             <p:cNvSpPr/>
             <p:nvPr/>
           </p:nvSpPr>
           <p:spPr>
             <a:xfrm>
-              <a:off x="4461147" y="5172960"/>
-              <a:ext cx="301395" cy="158478"/>
+              <a:off x="4188270" y="5228040"/>
+              <a:ext cx="976386" cy="163560"/>
             </a:xfrm>
             <a:prstGeom prst="rect">
               <a:avLst/>
@@ -3755,14 +3452,14 @@
                   <a:latin typeface="Arial"/>
                   <a:cs typeface="Arial"/>
                 </a:rPr>
-                <a:t> 90</a:t>
+                <a:t> 77.273 %</a:t>
               </a:r>
             </a:p>
           </p:txBody>
         </p:sp>
         <p:sp>
           <p:nvSpPr>
-            <p:cNvPr id="14" name="tx13"/>
+            <p:cNvPr id="11" name="tx10"/>
             <p:cNvSpPr/>
             <p:nvPr/>
           </p:nvSpPr>
